--- a/aplikacijaZaAnalizoOlimpijskihDvigov.pptx
+++ b/aplikacijaZaAnalizoOlimpijskihDvigov.pptx
@@ -108,6 +108,11 @@
       </a:defRPr>
     </a:lvl9pPr>
   </p:defaultTextStyle>
+  <p:extLst>
+    <p:ext uri="{EFAFB233-063F-42B5-8137-9DF3F51BA10A}">
+      <p15:sldGuideLst xmlns:p15="http://schemas.microsoft.com/office/powerpoint/2012/main"/>
+    </p:ext>
+  </p:extLst>
 </p:presentation>
 </file>
 
@@ -300,7 +305,7 @@
             <a:fld id="{B61BEF0D-F0BB-DE4B-95CE-6DB70DBA9567}" type="datetimeFigureOut">
               <a:rPr lang="en-US" dirty="0"/>
               <a:pPr/>
-              <a:t>4/15/2023</a:t>
+              <a:t>4/16/2023</a:t>
             </a:fld>
             <a:endParaRPr lang="en-US" dirty="0"/>
           </a:p>
@@ -635,7 +640,7 @@
             <a:fld id="{B61BEF0D-F0BB-DE4B-95CE-6DB70DBA9567}" type="datetimeFigureOut">
               <a:rPr lang="en-US" dirty="0"/>
               <a:pPr/>
-              <a:t>4/15/2023</a:t>
+              <a:t>4/16/2023</a:t>
             </a:fld>
             <a:endParaRPr lang="en-US" dirty="0"/>
           </a:p>
@@ -1033,7 +1038,7 @@
             <a:fld id="{B61BEF0D-F0BB-DE4B-95CE-6DB70DBA9567}" type="datetimeFigureOut">
               <a:rPr lang="en-US" dirty="0"/>
               <a:pPr/>
-              <a:t>4/15/2023</a:t>
+              <a:t>4/16/2023</a:t>
             </a:fld>
             <a:endParaRPr lang="en-US" dirty="0"/>
           </a:p>
@@ -1366,7 +1371,7 @@
             <a:fld id="{B61BEF0D-F0BB-DE4B-95CE-6DB70DBA9567}" type="datetimeFigureOut">
               <a:rPr lang="en-US" dirty="0"/>
               <a:pPr/>
-              <a:t>4/15/2023</a:t>
+              <a:t>4/16/2023</a:t>
             </a:fld>
             <a:endParaRPr lang="en-US" dirty="0"/>
           </a:p>
@@ -1683,7 +1688,7 @@
             <a:fld id="{B61BEF0D-F0BB-DE4B-95CE-6DB70DBA9567}" type="datetimeFigureOut">
               <a:rPr lang="en-US" dirty="0"/>
               <a:pPr/>
-              <a:t>4/15/2023</a:t>
+              <a:t>4/16/2023</a:t>
             </a:fld>
             <a:endParaRPr lang="en-US" dirty="0"/>
           </a:p>
@@ -2076,7 +2081,7 @@
             <a:fld id="{B61BEF0D-F0BB-DE4B-95CE-6DB70DBA9567}" type="datetimeFigureOut">
               <a:rPr lang="en-US" dirty="0"/>
               <a:pPr/>
-              <a:t>4/15/2023</a:t>
+              <a:t>4/16/2023</a:t>
             </a:fld>
             <a:endParaRPr lang="en-US" dirty="0"/>
           </a:p>
@@ -2330,7 +2335,7 @@
             <a:fld id="{B61BEF0D-F0BB-DE4B-95CE-6DB70DBA9567}" type="datetimeFigureOut">
               <a:rPr lang="en-US" dirty="0"/>
               <a:pPr/>
-              <a:t>4/15/2023</a:t>
+              <a:t>4/16/2023</a:t>
             </a:fld>
             <a:endParaRPr lang="en-US" dirty="0"/>
           </a:p>
@@ -2589,7 +2594,7 @@
             <a:fld id="{B61BEF0D-F0BB-DE4B-95CE-6DB70DBA9567}" type="datetimeFigureOut">
               <a:rPr lang="en-US" dirty="0"/>
               <a:pPr/>
-              <a:t>4/15/2023</a:t>
+              <a:t>4/16/2023</a:t>
             </a:fld>
             <a:endParaRPr lang="en-US" dirty="0"/>
           </a:p>
@@ -2848,7 +2853,7 @@
             <a:fld id="{B61BEF0D-F0BB-DE4B-95CE-6DB70DBA9567}" type="datetimeFigureOut">
               <a:rPr lang="en-US" dirty="0"/>
               <a:pPr/>
-              <a:t>4/15/2023</a:t>
+              <a:t>4/16/2023</a:t>
             </a:fld>
             <a:endParaRPr lang="en-US" dirty="0"/>
           </a:p>
@@ -3174,7 +3179,7 @@
             <a:fld id="{B61BEF0D-F0BB-DE4B-95CE-6DB70DBA9567}" type="datetimeFigureOut">
               <a:rPr lang="en-US" dirty="0"/>
               <a:pPr/>
-              <a:t>4/15/2023</a:t>
+              <a:t>4/16/2023</a:t>
             </a:fld>
             <a:endParaRPr lang="en-US" dirty="0"/>
           </a:p>
@@ -3494,7 +3499,7 @@
             <a:fld id="{B61BEF0D-F0BB-DE4B-95CE-6DB70DBA9567}" type="datetimeFigureOut">
               <a:rPr lang="en-US" dirty="0"/>
               <a:pPr/>
-              <a:t>4/15/2023</a:t>
+              <a:t>4/16/2023</a:t>
             </a:fld>
             <a:endParaRPr lang="en-US" dirty="0"/>
           </a:p>
@@ -3948,7 +3953,7 @@
             <a:fld id="{B61BEF0D-F0BB-DE4B-95CE-6DB70DBA9567}" type="datetimeFigureOut">
               <a:rPr lang="en-US" dirty="0"/>
               <a:pPr/>
-              <a:t>4/15/2023</a:t>
+              <a:t>4/16/2023</a:t>
             </a:fld>
             <a:endParaRPr lang="en-US" dirty="0"/>
           </a:p>
@@ -4150,7 +4155,7 @@
             <a:fld id="{B61BEF0D-F0BB-DE4B-95CE-6DB70DBA9567}" type="datetimeFigureOut">
               <a:rPr lang="en-US" dirty="0"/>
               <a:pPr/>
-              <a:t>4/15/2023</a:t>
+              <a:t>4/16/2023</a:t>
             </a:fld>
             <a:endParaRPr lang="en-US" dirty="0"/>
           </a:p>
@@ -4324,7 +4329,7 @@
             <a:fld id="{B61BEF0D-F0BB-DE4B-95CE-6DB70DBA9567}" type="datetimeFigureOut">
               <a:rPr lang="en-US" dirty="0"/>
               <a:pPr/>
-              <a:t>4/15/2023</a:t>
+              <a:t>4/16/2023</a:t>
             </a:fld>
             <a:endParaRPr lang="en-US" dirty="0"/>
           </a:p>
@@ -4654,7 +4659,7 @@
             <a:fld id="{B61BEF0D-F0BB-DE4B-95CE-6DB70DBA9567}" type="datetimeFigureOut">
               <a:rPr lang="en-US" dirty="0"/>
               <a:pPr/>
-              <a:t>4/15/2023</a:t>
+              <a:t>4/16/2023</a:t>
             </a:fld>
             <a:endParaRPr lang="en-US" dirty="0"/>
           </a:p>
@@ -4996,7 +5001,7 @@
             <a:fld id="{B61BEF0D-F0BB-DE4B-95CE-6DB70DBA9567}" type="datetimeFigureOut">
               <a:rPr lang="en-US" dirty="0"/>
               <a:pPr/>
-              <a:t>4/15/2023</a:t>
+              <a:t>4/16/2023</a:t>
             </a:fld>
             <a:endParaRPr lang="en-US" dirty="0"/>
           </a:p>
@@ -7110,7 +7115,7 @@
             <a:fld id="{B61BEF0D-F0BB-DE4B-95CE-6DB70DBA9567}" type="datetimeFigureOut">
               <a:rPr lang="en-US" dirty="0"/>
               <a:pPr/>
-              <a:t>4/15/2023</a:t>
+              <a:t>4/16/2023</a:t>
             </a:fld>
             <a:endParaRPr lang="en-US" dirty="0"/>
           </a:p>
@@ -7739,8 +7744,13 @@
           <a:p>
             <a:r>
               <a:rPr lang="sl-SI" dirty="0" smtClean="0"/>
-              <a:t>Olimpijsko dvigovanje uteži, powerlifting</a:t>
-            </a:r>
+              <a:t>Olimpijsko dvigovanje uteži, </a:t>
+            </a:r>
+            <a:r>
+              <a:rPr lang="sl-SI" dirty="0" smtClean="0"/>
+              <a:t>weightlifting</a:t>
+            </a:r>
+            <a:endParaRPr lang="sl-SI" dirty="0" smtClean="0"/>
           </a:p>
           <a:p>
             <a:r>
@@ -7850,7 +7860,7 @@
       </p:sp>
       <p:pic>
         <p:nvPicPr>
-          <p:cNvPr id="10" name="Content Placeholder 9"/>
+          <p:cNvPr id="6" name="Content Placeholder 5"/>
           <p:cNvPicPr>
             <a:picLocks noGrp="1" noChangeAspect="1"/>
           </p:cNvPicPr>
@@ -7872,8 +7882,8 @@
         </p:blipFill>
         <p:spPr>
           <a:xfrm>
-            <a:off x="2906047" y="1618210"/>
-            <a:ext cx="5233908" cy="4832465"/>
+            <a:off x="3118656" y="1568333"/>
+            <a:ext cx="6062046" cy="4807527"/>
           </a:xfrm>
         </p:spPr>
       </p:pic>
@@ -7930,25 +7940,95 @@
           </a:p>
         </p:txBody>
       </p:sp>
-      <p:sp>
-        <p:nvSpPr>
-          <p:cNvPr id="3" name="Content Placeholder 2"/>
-          <p:cNvSpPr>
-            <a:spLocks noGrp="1"/>
-          </p:cNvSpPr>
+      <p:pic>
+        <p:nvPicPr>
+          <p:cNvPr id="4" name="Content Placeholder 3"/>
+          <p:cNvPicPr>
+            <a:picLocks noGrp="1" noChangeAspect="1"/>
+          </p:cNvPicPr>
           <p:nvPr>
             <p:ph idx="1"/>
           </p:nvPr>
-        </p:nvSpPr>
-        <p:spPr/>
-        <p:txBody>
-          <a:bodyPr/>
-          <a:lstStyle/>
-          <a:p>
-            <a:endParaRPr lang="en-US"/>
-          </a:p>
-        </p:txBody>
-      </p:sp>
+        </p:nvPicPr>
+        <p:blipFill>
+          <a:blip r:embed="rId2">
+            <a:extLst>
+              <a:ext uri="{28A0092B-C50C-407E-A947-70E740481C1C}">
+                <a14:useLocalDpi xmlns:a14="http://schemas.microsoft.com/office/drawing/2010/main" val="0"/>
+              </a:ext>
+            </a:extLst>
+          </a:blip>
+          <a:stretch>
+            <a:fillRect/>
+          </a:stretch>
+        </p:blipFill>
+        <p:spPr>
+          <a:xfrm>
+            <a:off x="4958067" y="1667395"/>
+            <a:ext cx="2430000" cy="4320000"/>
+          </a:xfrm>
+        </p:spPr>
+      </p:pic>
+      <p:pic>
+        <p:nvPicPr>
+          <p:cNvPr id="5" name="Picture 4"/>
+          <p:cNvPicPr>
+            <a:picLocks noChangeAspect="1"/>
+          </p:cNvPicPr>
+          <p:nvPr/>
+        </p:nvPicPr>
+        <p:blipFill>
+          <a:blip r:embed="rId3">
+            <a:extLst>
+              <a:ext uri="{28A0092B-C50C-407E-A947-70E740481C1C}">
+                <a14:useLocalDpi xmlns:a14="http://schemas.microsoft.com/office/drawing/2010/main" val="0"/>
+              </a:ext>
+            </a:extLst>
+          </a:blip>
+          <a:stretch>
+            <a:fillRect/>
+          </a:stretch>
+        </p:blipFill>
+        <p:spPr>
+          <a:xfrm>
+            <a:off x="8227329" y="1667395"/>
+            <a:ext cx="2430000" cy="4320000"/>
+          </a:xfrm>
+          <a:prstGeom prst="rect">
+            <a:avLst/>
+          </a:prstGeom>
+        </p:spPr>
+      </p:pic>
+      <p:pic>
+        <p:nvPicPr>
+          <p:cNvPr id="6" name="Picture 5"/>
+          <p:cNvPicPr>
+            <a:picLocks noChangeAspect="1"/>
+          </p:cNvPicPr>
+          <p:nvPr/>
+        </p:nvPicPr>
+        <p:blipFill>
+          <a:blip r:embed="rId4">
+            <a:extLst>
+              <a:ext uri="{28A0092B-C50C-407E-A947-70E740481C1C}">
+                <a14:useLocalDpi xmlns:a14="http://schemas.microsoft.com/office/drawing/2010/main" val="0"/>
+              </a:ext>
+            </a:extLst>
+          </a:blip>
+          <a:stretch>
+            <a:fillRect/>
+          </a:stretch>
+        </p:blipFill>
+        <p:spPr>
+          <a:xfrm>
+            <a:off x="1753663" y="1667395"/>
+            <a:ext cx="2430000" cy="4320000"/>
+          </a:xfrm>
+          <a:prstGeom prst="rect">
+            <a:avLst/>
+          </a:prstGeom>
+        </p:spPr>
+      </p:pic>
     </p:spTree>
     <p:extLst>
       <p:ext uri="{BB962C8B-B14F-4D97-AF65-F5344CB8AC3E}">
@@ -8080,8 +8160,13 @@
             <a:pPr lvl="1"/>
             <a:r>
               <a:rPr lang="sl-SI" dirty="0" smtClean="0"/>
-              <a:t>Povezava senzorskega sistema s telefonom</a:t>
-            </a:r>
+              <a:t>Povezava senzorskega sistema s </a:t>
+            </a:r>
+            <a:r>
+              <a:rPr lang="sl-SI" dirty="0" smtClean="0"/>
+              <a:t>telefonom (bluetooth)</a:t>
+            </a:r>
+            <a:endParaRPr lang="sl-SI" dirty="0" smtClean="0"/>
           </a:p>
           <a:p>
             <a:pPr lvl="1"/>

--- a/aplikacijaZaAnalizoOlimpijskihDvigov.pptx
+++ b/aplikacijaZaAnalizoOlimpijskihDvigov.pptx
@@ -305,7 +305,7 @@
             <a:fld id="{B61BEF0D-F0BB-DE4B-95CE-6DB70DBA9567}" type="datetimeFigureOut">
               <a:rPr lang="en-US" dirty="0"/>
               <a:pPr/>
-              <a:t>4/16/2023</a:t>
+              <a:t>4/21/2023</a:t>
             </a:fld>
             <a:endParaRPr lang="en-US" dirty="0"/>
           </a:p>
@@ -640,7 +640,7 @@
             <a:fld id="{B61BEF0D-F0BB-DE4B-95CE-6DB70DBA9567}" type="datetimeFigureOut">
               <a:rPr lang="en-US" dirty="0"/>
               <a:pPr/>
-              <a:t>4/16/2023</a:t>
+              <a:t>4/21/2023</a:t>
             </a:fld>
             <a:endParaRPr lang="en-US" dirty="0"/>
           </a:p>
@@ -1038,7 +1038,7 @@
             <a:fld id="{B61BEF0D-F0BB-DE4B-95CE-6DB70DBA9567}" type="datetimeFigureOut">
               <a:rPr lang="en-US" dirty="0"/>
               <a:pPr/>
-              <a:t>4/16/2023</a:t>
+              <a:t>4/21/2023</a:t>
             </a:fld>
             <a:endParaRPr lang="en-US" dirty="0"/>
           </a:p>
@@ -1371,7 +1371,7 @@
             <a:fld id="{B61BEF0D-F0BB-DE4B-95CE-6DB70DBA9567}" type="datetimeFigureOut">
               <a:rPr lang="en-US" dirty="0"/>
               <a:pPr/>
-              <a:t>4/16/2023</a:t>
+              <a:t>4/21/2023</a:t>
             </a:fld>
             <a:endParaRPr lang="en-US" dirty="0"/>
           </a:p>
@@ -1688,7 +1688,7 @@
             <a:fld id="{B61BEF0D-F0BB-DE4B-95CE-6DB70DBA9567}" type="datetimeFigureOut">
               <a:rPr lang="en-US" dirty="0"/>
               <a:pPr/>
-              <a:t>4/16/2023</a:t>
+              <a:t>4/21/2023</a:t>
             </a:fld>
             <a:endParaRPr lang="en-US" dirty="0"/>
           </a:p>
@@ -2081,7 +2081,7 @@
             <a:fld id="{B61BEF0D-F0BB-DE4B-95CE-6DB70DBA9567}" type="datetimeFigureOut">
               <a:rPr lang="en-US" dirty="0"/>
               <a:pPr/>
-              <a:t>4/16/2023</a:t>
+              <a:t>4/21/2023</a:t>
             </a:fld>
             <a:endParaRPr lang="en-US" dirty="0"/>
           </a:p>
@@ -2335,7 +2335,7 @@
             <a:fld id="{B61BEF0D-F0BB-DE4B-95CE-6DB70DBA9567}" type="datetimeFigureOut">
               <a:rPr lang="en-US" dirty="0"/>
               <a:pPr/>
-              <a:t>4/16/2023</a:t>
+              <a:t>4/21/2023</a:t>
             </a:fld>
             <a:endParaRPr lang="en-US" dirty="0"/>
           </a:p>
@@ -2594,7 +2594,7 @@
             <a:fld id="{B61BEF0D-F0BB-DE4B-95CE-6DB70DBA9567}" type="datetimeFigureOut">
               <a:rPr lang="en-US" dirty="0"/>
               <a:pPr/>
-              <a:t>4/16/2023</a:t>
+              <a:t>4/21/2023</a:t>
             </a:fld>
             <a:endParaRPr lang="en-US" dirty="0"/>
           </a:p>
@@ -2853,7 +2853,7 @@
             <a:fld id="{B61BEF0D-F0BB-DE4B-95CE-6DB70DBA9567}" type="datetimeFigureOut">
               <a:rPr lang="en-US" dirty="0"/>
               <a:pPr/>
-              <a:t>4/16/2023</a:t>
+              <a:t>4/21/2023</a:t>
             </a:fld>
             <a:endParaRPr lang="en-US" dirty="0"/>
           </a:p>
@@ -3179,7 +3179,7 @@
             <a:fld id="{B61BEF0D-F0BB-DE4B-95CE-6DB70DBA9567}" type="datetimeFigureOut">
               <a:rPr lang="en-US" dirty="0"/>
               <a:pPr/>
-              <a:t>4/16/2023</a:t>
+              <a:t>4/21/2023</a:t>
             </a:fld>
             <a:endParaRPr lang="en-US" dirty="0"/>
           </a:p>
@@ -3499,7 +3499,7 @@
             <a:fld id="{B61BEF0D-F0BB-DE4B-95CE-6DB70DBA9567}" type="datetimeFigureOut">
               <a:rPr lang="en-US" dirty="0"/>
               <a:pPr/>
-              <a:t>4/16/2023</a:t>
+              <a:t>4/21/2023</a:t>
             </a:fld>
             <a:endParaRPr lang="en-US" dirty="0"/>
           </a:p>
@@ -3953,7 +3953,7 @@
             <a:fld id="{B61BEF0D-F0BB-DE4B-95CE-6DB70DBA9567}" type="datetimeFigureOut">
               <a:rPr lang="en-US" dirty="0"/>
               <a:pPr/>
-              <a:t>4/16/2023</a:t>
+              <a:t>4/21/2023</a:t>
             </a:fld>
             <a:endParaRPr lang="en-US" dirty="0"/>
           </a:p>
@@ -4155,7 +4155,7 @@
             <a:fld id="{B61BEF0D-F0BB-DE4B-95CE-6DB70DBA9567}" type="datetimeFigureOut">
               <a:rPr lang="en-US" dirty="0"/>
               <a:pPr/>
-              <a:t>4/16/2023</a:t>
+              <a:t>4/21/2023</a:t>
             </a:fld>
             <a:endParaRPr lang="en-US" dirty="0"/>
           </a:p>
@@ -4329,7 +4329,7 @@
             <a:fld id="{B61BEF0D-F0BB-DE4B-95CE-6DB70DBA9567}" type="datetimeFigureOut">
               <a:rPr lang="en-US" dirty="0"/>
               <a:pPr/>
-              <a:t>4/16/2023</a:t>
+              <a:t>4/21/2023</a:t>
             </a:fld>
             <a:endParaRPr lang="en-US" dirty="0"/>
           </a:p>
@@ -4659,7 +4659,7 @@
             <a:fld id="{B61BEF0D-F0BB-DE4B-95CE-6DB70DBA9567}" type="datetimeFigureOut">
               <a:rPr lang="en-US" dirty="0"/>
               <a:pPr/>
-              <a:t>4/16/2023</a:t>
+              <a:t>4/21/2023</a:t>
             </a:fld>
             <a:endParaRPr lang="en-US" dirty="0"/>
           </a:p>
@@ -5001,7 +5001,7 @@
             <a:fld id="{B61BEF0D-F0BB-DE4B-95CE-6DB70DBA9567}" type="datetimeFigureOut">
               <a:rPr lang="en-US" dirty="0"/>
               <a:pPr/>
-              <a:t>4/16/2023</a:t>
+              <a:t>4/21/2023</a:t>
             </a:fld>
             <a:endParaRPr lang="en-US" dirty="0"/>
           </a:p>
@@ -7115,7 +7115,7 @@
             <a:fld id="{B61BEF0D-F0BB-DE4B-95CE-6DB70DBA9567}" type="datetimeFigureOut">
               <a:rPr lang="en-US" dirty="0"/>
               <a:pPr/>
-              <a:t>4/16/2023</a:t>
+              <a:t>4/21/2023</a:t>
             </a:fld>
             <a:endParaRPr lang="en-US" dirty="0"/>
           </a:p>
@@ -7744,13 +7744,8 @@
           <a:p>
             <a:r>
               <a:rPr lang="sl-SI" dirty="0" smtClean="0"/>
-              <a:t>Olimpijsko dvigovanje uteži, </a:t>
-            </a:r>
-            <a:r>
-              <a:rPr lang="sl-SI" dirty="0" smtClean="0"/>
-              <a:t>weightlifting</a:t>
-            </a:r>
-            <a:endParaRPr lang="sl-SI" dirty="0" smtClean="0"/>
+              <a:t>Olimpijsko dvigovanje uteži, weightlifting</a:t>
+            </a:r>
           </a:p>
           <a:p>
             <a:r>
@@ -7860,7 +7855,7 @@
       </p:sp>
       <p:pic>
         <p:nvPicPr>
-          <p:cNvPr id="6" name="Content Placeholder 5"/>
+          <p:cNvPr id="4" name="Content Placeholder 3"/>
           <p:cNvPicPr>
             <a:picLocks noGrp="1" noChangeAspect="1"/>
           </p:cNvPicPr>
@@ -7882,8 +7877,8 @@
         </p:blipFill>
         <p:spPr>
           <a:xfrm>
-            <a:off x="3118656" y="1568333"/>
-            <a:ext cx="6062046" cy="4807527"/>
+            <a:off x="2902524" y="1584959"/>
+            <a:ext cx="6150035" cy="4877307"/>
           </a:xfrm>
         </p:spPr>
       </p:pic>
@@ -8160,13 +8155,8 @@
             <a:pPr lvl="1"/>
             <a:r>
               <a:rPr lang="sl-SI" dirty="0" smtClean="0"/>
-              <a:t>Povezava senzorskega sistema s </a:t>
-            </a:r>
-            <a:r>
-              <a:rPr lang="sl-SI" dirty="0" smtClean="0"/>
-              <a:t>telefonom (bluetooth)</a:t>
-            </a:r>
-            <a:endParaRPr lang="sl-SI" dirty="0" smtClean="0"/>
+              <a:t>Povezava senzorskega sistema s telefonom (bluetooth)</a:t>
+            </a:r>
           </a:p>
           <a:p>
             <a:pPr lvl="1"/>

--- a/aplikacijaZaAnalizoOlimpijskihDvigov.pptx
+++ b/aplikacijaZaAnalizoOlimpijskihDvigov.pptx
@@ -305,7 +305,7 @@
             <a:fld id="{B61BEF0D-F0BB-DE4B-95CE-6DB70DBA9567}" type="datetimeFigureOut">
               <a:rPr lang="en-US" dirty="0"/>
               <a:pPr/>
-              <a:t>4/21/2023</a:t>
+              <a:t>6/9/2023</a:t>
             </a:fld>
             <a:endParaRPr lang="en-US" dirty="0"/>
           </a:p>
@@ -640,7 +640,7 @@
             <a:fld id="{B61BEF0D-F0BB-DE4B-95CE-6DB70DBA9567}" type="datetimeFigureOut">
               <a:rPr lang="en-US" dirty="0"/>
               <a:pPr/>
-              <a:t>4/21/2023</a:t>
+              <a:t>6/9/2023</a:t>
             </a:fld>
             <a:endParaRPr lang="en-US" dirty="0"/>
           </a:p>
@@ -1038,7 +1038,7 @@
             <a:fld id="{B61BEF0D-F0BB-DE4B-95CE-6DB70DBA9567}" type="datetimeFigureOut">
               <a:rPr lang="en-US" dirty="0"/>
               <a:pPr/>
-              <a:t>4/21/2023</a:t>
+              <a:t>6/9/2023</a:t>
             </a:fld>
             <a:endParaRPr lang="en-US" dirty="0"/>
           </a:p>
@@ -1371,7 +1371,7 @@
             <a:fld id="{B61BEF0D-F0BB-DE4B-95CE-6DB70DBA9567}" type="datetimeFigureOut">
               <a:rPr lang="en-US" dirty="0"/>
               <a:pPr/>
-              <a:t>4/21/2023</a:t>
+              <a:t>6/9/2023</a:t>
             </a:fld>
             <a:endParaRPr lang="en-US" dirty="0"/>
           </a:p>
@@ -1688,7 +1688,7 @@
             <a:fld id="{B61BEF0D-F0BB-DE4B-95CE-6DB70DBA9567}" type="datetimeFigureOut">
               <a:rPr lang="en-US" dirty="0"/>
               <a:pPr/>
-              <a:t>4/21/2023</a:t>
+              <a:t>6/9/2023</a:t>
             </a:fld>
             <a:endParaRPr lang="en-US" dirty="0"/>
           </a:p>
@@ -2081,7 +2081,7 @@
             <a:fld id="{B61BEF0D-F0BB-DE4B-95CE-6DB70DBA9567}" type="datetimeFigureOut">
               <a:rPr lang="en-US" dirty="0"/>
               <a:pPr/>
-              <a:t>4/21/2023</a:t>
+              <a:t>6/9/2023</a:t>
             </a:fld>
             <a:endParaRPr lang="en-US" dirty="0"/>
           </a:p>
@@ -2335,7 +2335,7 @@
             <a:fld id="{B61BEF0D-F0BB-DE4B-95CE-6DB70DBA9567}" type="datetimeFigureOut">
               <a:rPr lang="en-US" dirty="0"/>
               <a:pPr/>
-              <a:t>4/21/2023</a:t>
+              <a:t>6/9/2023</a:t>
             </a:fld>
             <a:endParaRPr lang="en-US" dirty="0"/>
           </a:p>
@@ -2594,7 +2594,7 @@
             <a:fld id="{B61BEF0D-F0BB-DE4B-95CE-6DB70DBA9567}" type="datetimeFigureOut">
               <a:rPr lang="en-US" dirty="0"/>
               <a:pPr/>
-              <a:t>4/21/2023</a:t>
+              <a:t>6/9/2023</a:t>
             </a:fld>
             <a:endParaRPr lang="en-US" dirty="0"/>
           </a:p>
@@ -2853,7 +2853,7 @@
             <a:fld id="{B61BEF0D-F0BB-DE4B-95CE-6DB70DBA9567}" type="datetimeFigureOut">
               <a:rPr lang="en-US" dirty="0"/>
               <a:pPr/>
-              <a:t>4/21/2023</a:t>
+              <a:t>6/9/2023</a:t>
             </a:fld>
             <a:endParaRPr lang="en-US" dirty="0"/>
           </a:p>
@@ -3179,7 +3179,7 @@
             <a:fld id="{B61BEF0D-F0BB-DE4B-95CE-6DB70DBA9567}" type="datetimeFigureOut">
               <a:rPr lang="en-US" dirty="0"/>
               <a:pPr/>
-              <a:t>4/21/2023</a:t>
+              <a:t>6/9/2023</a:t>
             </a:fld>
             <a:endParaRPr lang="en-US" dirty="0"/>
           </a:p>
@@ -3499,7 +3499,7 @@
             <a:fld id="{B61BEF0D-F0BB-DE4B-95CE-6DB70DBA9567}" type="datetimeFigureOut">
               <a:rPr lang="en-US" dirty="0"/>
               <a:pPr/>
-              <a:t>4/21/2023</a:t>
+              <a:t>6/9/2023</a:t>
             </a:fld>
             <a:endParaRPr lang="en-US" dirty="0"/>
           </a:p>
@@ -3953,7 +3953,7 @@
             <a:fld id="{B61BEF0D-F0BB-DE4B-95CE-6DB70DBA9567}" type="datetimeFigureOut">
               <a:rPr lang="en-US" dirty="0"/>
               <a:pPr/>
-              <a:t>4/21/2023</a:t>
+              <a:t>6/9/2023</a:t>
             </a:fld>
             <a:endParaRPr lang="en-US" dirty="0"/>
           </a:p>
@@ -4155,7 +4155,7 @@
             <a:fld id="{B61BEF0D-F0BB-DE4B-95CE-6DB70DBA9567}" type="datetimeFigureOut">
               <a:rPr lang="en-US" dirty="0"/>
               <a:pPr/>
-              <a:t>4/21/2023</a:t>
+              <a:t>6/9/2023</a:t>
             </a:fld>
             <a:endParaRPr lang="en-US" dirty="0"/>
           </a:p>
@@ -4329,7 +4329,7 @@
             <a:fld id="{B61BEF0D-F0BB-DE4B-95CE-6DB70DBA9567}" type="datetimeFigureOut">
               <a:rPr lang="en-US" dirty="0"/>
               <a:pPr/>
-              <a:t>4/21/2023</a:t>
+              <a:t>6/9/2023</a:t>
             </a:fld>
             <a:endParaRPr lang="en-US" dirty="0"/>
           </a:p>
@@ -4659,7 +4659,7 @@
             <a:fld id="{B61BEF0D-F0BB-DE4B-95CE-6DB70DBA9567}" type="datetimeFigureOut">
               <a:rPr lang="en-US" dirty="0"/>
               <a:pPr/>
-              <a:t>4/21/2023</a:t>
+              <a:t>6/9/2023</a:t>
             </a:fld>
             <a:endParaRPr lang="en-US" dirty="0"/>
           </a:p>
@@ -5001,7 +5001,7 @@
             <a:fld id="{B61BEF0D-F0BB-DE4B-95CE-6DB70DBA9567}" type="datetimeFigureOut">
               <a:rPr lang="en-US" dirty="0"/>
               <a:pPr/>
-              <a:t>4/21/2023</a:t>
+              <a:t>6/9/2023</a:t>
             </a:fld>
             <a:endParaRPr lang="en-US" dirty="0"/>
           </a:p>
@@ -7115,7 +7115,7 @@
             <a:fld id="{B61BEF0D-F0BB-DE4B-95CE-6DB70DBA9567}" type="datetimeFigureOut">
               <a:rPr lang="en-US" dirty="0"/>
               <a:pPr/>
-              <a:t>4/21/2023</a:t>
+              <a:t>6/9/2023</a:t>
             </a:fld>
             <a:endParaRPr lang="en-US" dirty="0"/>
           </a:p>
